--- a/Presentation/Presentation.pptx
+++ b/Presentation/Presentation.pptx
@@ -4,6 +4,9 @@
   <p:sldMasterIdLst>
     <p:sldMasterId id="2147483648" r:id="rId1"/>
   </p:sldMasterIdLst>
+  <p:handoutMasterIdLst>
+    <p:handoutMasterId r:id="rId29"/>
+  </p:handoutMasterIdLst>
   <p:sldIdLst>
     <p:sldId id="256" r:id="rId2"/>
     <p:sldId id="257" r:id="rId3"/>
@@ -31,9 +34,10 @@
     <p:sldId id="284" r:id="rId25"/>
     <p:sldId id="279" r:id="rId26"/>
     <p:sldId id="280" r:id="rId27"/>
+    <p:sldId id="286" r:id="rId28"/>
   </p:sldIdLst>
   <p:sldSz cx="12192000" cy="6858000"/>
-  <p:notesSz cx="6954838" cy="9309100"/>
+  <p:notesSz cx="7010400" cy="9296400"/>
   <p:defaultTextStyle>
     <a:defPPr>
       <a:defRPr lang="en-US"/>
@@ -160,6 +164,7 @@
             <p14:sldId id="284"/>
             <p14:sldId id="279"/>
             <p14:sldId id="280"/>
+            <p14:sldId id="286"/>
           </p14:sldIdLst>
         </p14:section>
       </p14:sectionLst>
@@ -186,6 +191,7 @@
   </mc:AlternateContent>
   <c:chart>
     <c:title>
+      <c:layout/>
       <c:overlay val="0"/>
       <c:spPr>
         <a:noFill/>
@@ -278,6 +284,7 @@
             <c:showLeaderLines val="0"/>
             <c:extLst>
               <c:ext xmlns:c15="http://schemas.microsoft.com/office/drawing/2012/chart" uri="{CE6537A1-D6FC-4f65-9D91-7224C49458BB}">
+                <c15:layout/>
                 <c15:showLeaderLines val="1"/>
                 <c15:leaderLines>
                   <c:spPr>
@@ -381,6 +388,7 @@
             <c:showLeaderLines val="0"/>
             <c:extLst>
               <c:ext xmlns:c15="http://schemas.microsoft.com/office/drawing/2012/chart" uri="{CE6537A1-D6FC-4f65-9D91-7224C49458BB}">
+                <c15:layout/>
                 <c15:showLeaderLines val="1"/>
                 <c15:leaderLines>
                   <c:spPr>
@@ -478,6 +486,7 @@
             <c:showLeaderLines val="0"/>
             <c:extLst>
               <c:ext xmlns:c15="http://schemas.microsoft.com/office/drawing/2012/chart" uri="{CE6537A1-D6FC-4f65-9D91-7224C49458BB}">
+                <c15:layout/>
                 <c15:showLeaderLines val="1"/>
                 <c15:leaderLines>
                   <c:spPr>
@@ -642,6 +651,7 @@
               </a:p>
             </c:rich>
           </c:tx>
+          <c:layout/>
           <c:overlay val="0"/>
           <c:spPr>
             <a:noFill/>
@@ -716,6 +726,7 @@
     </c:plotArea>
     <c:legend>
       <c:legendPos val="b"/>
+      <c:layout/>
       <c:overlay val="0"/>
       <c:spPr>
         <a:noFill/>
@@ -787,6 +798,7 @@
   </mc:AlternateContent>
   <c:chart>
     <c:title>
+      <c:layout/>
       <c:overlay val="0"/>
       <c:spPr>
         <a:noFill/>
@@ -879,6 +891,7 @@
             <c:showLeaderLines val="0"/>
             <c:extLst>
               <c:ext xmlns:c15="http://schemas.microsoft.com/office/drawing/2012/chart" uri="{CE6537A1-D6FC-4f65-9D91-7224C49458BB}">
+                <c15:layout/>
                 <c15:showLeaderLines val="1"/>
                 <c15:leaderLines>
                   <c:spPr>
@@ -982,6 +995,7 @@
             <c:showLeaderLines val="0"/>
             <c:extLst>
               <c:ext xmlns:c15="http://schemas.microsoft.com/office/drawing/2012/chart" uri="{CE6537A1-D6FC-4f65-9D91-7224C49458BB}">
+                <c15:layout/>
                 <c15:showLeaderLines val="1"/>
                 <c15:leaderLines>
                   <c:spPr>
@@ -1079,6 +1093,7 @@
             <c:showLeaderLines val="0"/>
             <c:extLst>
               <c:ext xmlns:c15="http://schemas.microsoft.com/office/drawing/2012/chart" uri="{CE6537A1-D6FC-4f65-9D91-7224C49458BB}">
+                <c15:layout/>
                 <c15:showLeaderLines val="1"/>
                 <c15:leaderLines>
                   <c:spPr>
@@ -1243,6 +1258,7 @@
               </a:p>
             </c:rich>
           </c:tx>
+          <c:layout/>
           <c:overlay val="0"/>
           <c:spPr>
             <a:noFill/>
@@ -1317,6 +1333,7 @@
     </c:plotArea>
     <c:legend>
       <c:legendPos val="b"/>
+      <c:layout/>
       <c:overlay val="0"/>
       <c:spPr>
         <a:noFill/>
@@ -1418,6 +1435,7 @@
           </a:p>
         </c:rich>
       </c:tx>
+      <c:layout/>
       <c:overlay val="0"/>
       <c:spPr>
         <a:noFill/>
@@ -1510,6 +1528,7 @@
             <c:showLeaderLines val="0"/>
             <c:extLst>
               <c:ext xmlns:c15="http://schemas.microsoft.com/office/drawing/2012/chart" uri="{CE6537A1-D6FC-4f65-9D91-7224C49458BB}">
+                <c15:layout/>
                 <c15:showLeaderLines val="1"/>
                 <c15:leaderLines>
                   <c:spPr>
@@ -1613,6 +1632,7 @@
             <c:showLeaderLines val="0"/>
             <c:extLst>
               <c:ext xmlns:c15="http://schemas.microsoft.com/office/drawing/2012/chart" uri="{CE6537A1-D6FC-4f65-9D91-7224C49458BB}">
+                <c15:layout/>
                 <c15:showLeaderLines val="1"/>
                 <c15:leaderLines>
                   <c:spPr>
@@ -1710,6 +1730,7 @@
             <c:showLeaderLines val="0"/>
             <c:extLst>
               <c:ext xmlns:c15="http://schemas.microsoft.com/office/drawing/2012/chart" uri="{CE6537A1-D6FC-4f65-9D91-7224C49458BB}">
+                <c15:layout/>
                 <c15:showLeaderLines val="1"/>
                 <c15:leaderLines>
                   <c:spPr>
@@ -1874,6 +1895,7 @@
               </a:p>
             </c:rich>
           </c:tx>
+          <c:layout/>
           <c:overlay val="0"/>
           <c:spPr>
             <a:noFill/>
@@ -1948,6 +1970,7 @@
     </c:plotArea>
     <c:legend>
       <c:legendPos val="b"/>
+      <c:layout/>
       <c:overlay val="0"/>
       <c:spPr>
         <a:noFill/>
@@ -2049,6 +2072,7 @@
           </a:p>
         </c:rich>
       </c:tx>
+      <c:layout/>
       <c:overlay val="0"/>
       <c:spPr>
         <a:noFill/>
@@ -2141,6 +2165,7 @@
             <c:showLeaderLines val="0"/>
             <c:extLst>
               <c:ext xmlns:c15="http://schemas.microsoft.com/office/drawing/2012/chart" uri="{CE6537A1-D6FC-4f65-9D91-7224C49458BB}">
+                <c15:layout/>
                 <c15:showLeaderLines val="1"/>
                 <c15:leaderLines>
                   <c:spPr>
@@ -2244,6 +2269,7 @@
             <c:showLeaderLines val="0"/>
             <c:extLst>
               <c:ext xmlns:c15="http://schemas.microsoft.com/office/drawing/2012/chart" uri="{CE6537A1-D6FC-4f65-9D91-7224C49458BB}">
+                <c15:layout/>
                 <c15:showLeaderLines val="1"/>
                 <c15:leaderLines>
                   <c:spPr>
@@ -2341,6 +2367,7 @@
             <c:showLeaderLines val="0"/>
             <c:extLst>
               <c:ext xmlns:c15="http://schemas.microsoft.com/office/drawing/2012/chart" uri="{CE6537A1-D6FC-4f65-9D91-7224C49458BB}">
+                <c15:layout/>
                 <c15:showLeaderLines val="1"/>
                 <c15:leaderLines>
                   <c:spPr>
@@ -2505,6 +2532,7 @@
               </a:p>
             </c:rich>
           </c:tx>
+          <c:layout/>
           <c:overlay val="0"/>
           <c:spPr>
             <a:noFill/>
@@ -2579,6 +2607,7 @@
     </c:plotArea>
     <c:legend>
       <c:legendPos val="b"/>
+      <c:layout/>
       <c:overlay val="0"/>
       <c:spPr>
         <a:noFill/>
@@ -2680,6 +2709,7 @@
           </a:p>
         </c:rich>
       </c:tx>
+      <c:layout/>
       <c:overlay val="0"/>
       <c:spPr>
         <a:noFill/>
@@ -2772,6 +2802,7 @@
             <c:showLeaderLines val="0"/>
             <c:extLst>
               <c:ext xmlns:c15="http://schemas.microsoft.com/office/drawing/2012/chart" uri="{CE6537A1-D6FC-4f65-9D91-7224C49458BB}">
+                <c15:layout/>
                 <c15:showLeaderLines val="1"/>
                 <c15:leaderLines>
                   <c:spPr>
@@ -2875,6 +2906,7 @@
             <c:showLeaderLines val="0"/>
             <c:extLst>
               <c:ext xmlns:c15="http://schemas.microsoft.com/office/drawing/2012/chart" uri="{CE6537A1-D6FC-4f65-9D91-7224C49458BB}">
+                <c15:layout/>
                 <c15:showLeaderLines val="1"/>
                 <c15:leaderLines>
                   <c:spPr>
@@ -2972,6 +3004,7 @@
             <c:showLeaderLines val="0"/>
             <c:extLst>
               <c:ext xmlns:c15="http://schemas.microsoft.com/office/drawing/2012/chart" uri="{CE6537A1-D6FC-4f65-9D91-7224C49458BB}">
+                <c15:layout/>
                 <c15:showLeaderLines val="1"/>
                 <c15:leaderLines>
                   <c:spPr>
@@ -3136,6 +3169,7 @@
               </a:p>
             </c:rich>
           </c:tx>
+          <c:layout/>
           <c:overlay val="0"/>
           <c:spPr>
             <a:noFill/>
@@ -3210,6 +3244,7 @@
     </c:plotArea>
     <c:legend>
       <c:legendPos val="b"/>
+      <c:layout/>
       <c:overlay val="0"/>
       <c:spPr>
         <a:noFill/>
@@ -5981,6 +6016,171 @@
 </cs:chartStyle>
 </file>
 
+<file path=ppt/handoutMasters/handoutMaster1.xml><?xml version="1.0" encoding="utf-8"?>
+<p:handoutMaster xmlns:a="http://schemas.openxmlformats.org/drawingml/2006/main" xmlns:r="http://schemas.openxmlformats.org/officeDocument/2006/relationships" xmlns:p="http://schemas.openxmlformats.org/presentationml/2006/main">
+  <p:cSld>
+    <p:bg>
+      <p:bgRef idx="1001">
+        <a:schemeClr val="bg1"/>
+      </p:bgRef>
+    </p:bg>
+    <p:spTree>
+      <p:nvGrpSpPr>
+        <p:cNvPr id="1" name=""/>
+        <p:cNvGrpSpPr/>
+        <p:nvPr/>
+      </p:nvGrpSpPr>
+      <p:grpSpPr>
+        <a:xfrm>
+          <a:off x="0" y="0"/>
+          <a:ext cx="0" cy="0"/>
+          <a:chOff x="0" y="0"/>
+          <a:chExt cx="0" cy="0"/>
+        </a:xfrm>
+      </p:grpSpPr>
+      <p:sp>
+        <p:nvSpPr>
+          <p:cNvPr id="2" name="Header Placeholder 1"/>
+          <p:cNvSpPr>
+            <a:spLocks noGrp="1"/>
+          </p:cNvSpPr>
+          <p:nvPr>
+            <p:ph type="hdr" sz="quarter"/>
+          </p:nvPr>
+        </p:nvSpPr>
+        <p:spPr>
+          <a:xfrm>
+            <a:off x="1" y="1"/>
+            <a:ext cx="3037146" cy="466088"/>
+          </a:xfrm>
+          <a:prstGeom prst="rect">
+            <a:avLst/>
+          </a:prstGeom>
+        </p:spPr>
+        <p:txBody>
+          <a:bodyPr vert="horz" lIns="91440" tIns="45720" rIns="91440" bIns="45720" rtlCol="0"/>
+          <a:lstStyle>
+            <a:lvl1pPr algn="l">
+              <a:defRPr sz="1200"/>
+            </a:lvl1pPr>
+          </a:lstStyle>
+          <a:p>
+            <a:endParaRPr lang="en-US"/>
+          </a:p>
+        </p:txBody>
+      </p:sp>
+      <p:sp>
+        <p:nvSpPr>
+          <p:cNvPr id="3" name="Date Placeholder 2"/>
+          <p:cNvSpPr>
+            <a:spLocks noGrp="1"/>
+          </p:cNvSpPr>
+          <p:nvPr>
+            <p:ph type="dt" sz="quarter" idx="1"/>
+          </p:nvPr>
+        </p:nvSpPr>
+        <p:spPr>
+          <a:xfrm>
+            <a:off x="3971654" y="1"/>
+            <a:ext cx="3037146" cy="466088"/>
+          </a:xfrm>
+          <a:prstGeom prst="rect">
+            <a:avLst/>
+          </a:prstGeom>
+        </p:spPr>
+        <p:txBody>
+          <a:bodyPr vert="horz" lIns="91440" tIns="45720" rIns="91440" bIns="45720" rtlCol="0"/>
+          <a:lstStyle>
+            <a:lvl1pPr algn="r">
+              <a:defRPr sz="1200"/>
+            </a:lvl1pPr>
+          </a:lstStyle>
+          <a:p>
+            <a:fld id="{72E866F4-CA61-4905-BCB4-465EE04BB586}" type="datetimeFigureOut">
+              <a:rPr lang="en-US" smtClean="0"/>
+              <a:t>11/17/2016</a:t>
+            </a:fld>
+            <a:endParaRPr lang="en-US"/>
+          </a:p>
+        </p:txBody>
+      </p:sp>
+      <p:sp>
+        <p:nvSpPr>
+          <p:cNvPr id="4" name="Footer Placeholder 3"/>
+          <p:cNvSpPr>
+            <a:spLocks noGrp="1"/>
+          </p:cNvSpPr>
+          <p:nvPr>
+            <p:ph type="ftr" sz="quarter" idx="2"/>
+          </p:nvPr>
+        </p:nvSpPr>
+        <p:spPr>
+          <a:xfrm>
+            <a:off x="1" y="8830312"/>
+            <a:ext cx="3037146" cy="466088"/>
+          </a:xfrm>
+          <a:prstGeom prst="rect">
+            <a:avLst/>
+          </a:prstGeom>
+        </p:spPr>
+        <p:txBody>
+          <a:bodyPr vert="horz" lIns="91440" tIns="45720" rIns="91440" bIns="45720" rtlCol="0" anchor="b"/>
+          <a:lstStyle>
+            <a:lvl1pPr algn="l">
+              <a:defRPr sz="1200"/>
+            </a:lvl1pPr>
+          </a:lstStyle>
+          <a:p>
+            <a:endParaRPr lang="en-US"/>
+          </a:p>
+        </p:txBody>
+      </p:sp>
+      <p:sp>
+        <p:nvSpPr>
+          <p:cNvPr id="5" name="Slide Number Placeholder 4"/>
+          <p:cNvSpPr>
+            <a:spLocks noGrp="1"/>
+          </p:cNvSpPr>
+          <p:nvPr>
+            <p:ph type="sldNum" sz="quarter" idx="3"/>
+          </p:nvPr>
+        </p:nvSpPr>
+        <p:spPr>
+          <a:xfrm>
+            <a:off x="3971654" y="8830312"/>
+            <a:ext cx="3037146" cy="466088"/>
+          </a:xfrm>
+          <a:prstGeom prst="rect">
+            <a:avLst/>
+          </a:prstGeom>
+        </p:spPr>
+        <p:txBody>
+          <a:bodyPr vert="horz" lIns="91440" tIns="45720" rIns="91440" bIns="45720" rtlCol="0" anchor="b"/>
+          <a:lstStyle>
+            <a:lvl1pPr algn="r">
+              <a:defRPr sz="1200"/>
+            </a:lvl1pPr>
+          </a:lstStyle>
+          <a:p>
+            <a:fld id="{8B8D2B1D-06F6-45AF-82AF-92ADD5F801EC}" type="slidenum">
+              <a:rPr lang="en-US" smtClean="0"/>
+              <a:t>‹#›</a:t>
+            </a:fld>
+            <a:endParaRPr lang="en-US"/>
+          </a:p>
+        </p:txBody>
+      </p:sp>
+    </p:spTree>
+    <p:extLst>
+      <p:ext uri="{BB962C8B-B14F-4D97-AF65-F5344CB8AC3E}">
+        <p14:creationId xmlns:p14="http://schemas.microsoft.com/office/powerpoint/2010/main" val="2226751038"/>
+      </p:ext>
+    </p:extLst>
+  </p:cSld>
+  <p:clrMap bg1="lt1" tx1="dk1" bg2="lt2" tx2="dk2" accent1="accent1" accent2="accent2" accent3="accent3" accent4="accent4" accent5="accent5" accent6="accent6" hlink="hlink" folHlink="folHlink"/>
+</p:handoutMaster>
+</file>
+
 <file path=ppt/slideLayouts/slideLayout1.xml><?xml version="1.0" encoding="utf-8"?>
 <p:sldLayout xmlns:a="http://schemas.openxmlformats.org/drawingml/2006/main" xmlns:r="http://schemas.openxmlformats.org/officeDocument/2006/relationships" xmlns:p="http://schemas.openxmlformats.org/presentationml/2006/main" type="title" preserve="1">
   <p:cSld name="Title Slide">
@@ -6110,7 +6310,7 @@
           <a:p>
             <a:fld id="{9D9E1EF6-57CE-4432-9B58-336C6AA22299}" type="datetimeFigureOut">
               <a:rPr lang="en-US" smtClean="0"/>
-              <a:t>11/14/2016</a:t>
+              <a:t>11/17/2016</a:t>
             </a:fld>
             <a:endParaRPr lang="en-US"/>
           </a:p>
@@ -6278,7 +6478,7 @@
           <a:p>
             <a:fld id="{9D9E1EF6-57CE-4432-9B58-336C6AA22299}" type="datetimeFigureOut">
               <a:rPr lang="en-US" smtClean="0"/>
-              <a:t>11/14/2016</a:t>
+              <a:t>11/17/2016</a:t>
             </a:fld>
             <a:endParaRPr lang="en-US"/>
           </a:p>
@@ -6456,7 +6656,7 @@
           <a:p>
             <a:fld id="{9D9E1EF6-57CE-4432-9B58-336C6AA22299}" type="datetimeFigureOut">
               <a:rPr lang="en-US" smtClean="0"/>
-              <a:t>11/14/2016</a:t>
+              <a:t>11/17/2016</a:t>
             </a:fld>
             <a:endParaRPr lang="en-US"/>
           </a:p>
@@ -6624,7 +6824,7 @@
           <a:p>
             <a:fld id="{9D9E1EF6-57CE-4432-9B58-336C6AA22299}" type="datetimeFigureOut">
               <a:rPr lang="en-US" smtClean="0"/>
-              <a:t>11/14/2016</a:t>
+              <a:t>11/17/2016</a:t>
             </a:fld>
             <a:endParaRPr lang="en-US"/>
           </a:p>
@@ -6869,7 +7069,7 @@
           <a:p>
             <a:fld id="{9D9E1EF6-57CE-4432-9B58-336C6AA22299}" type="datetimeFigureOut">
               <a:rPr lang="en-US" smtClean="0"/>
-              <a:t>11/14/2016</a:t>
+              <a:t>11/17/2016</a:t>
             </a:fld>
             <a:endParaRPr lang="en-US"/>
           </a:p>
@@ -7098,7 +7298,7 @@
           <a:p>
             <a:fld id="{9D9E1EF6-57CE-4432-9B58-336C6AA22299}" type="datetimeFigureOut">
               <a:rPr lang="en-US" smtClean="0"/>
-              <a:t>11/14/2016</a:t>
+              <a:t>11/17/2016</a:t>
             </a:fld>
             <a:endParaRPr lang="en-US"/>
           </a:p>
@@ -7462,7 +7662,7 @@
           <a:p>
             <a:fld id="{9D9E1EF6-57CE-4432-9B58-336C6AA22299}" type="datetimeFigureOut">
               <a:rPr lang="en-US" smtClean="0"/>
-              <a:t>11/14/2016</a:t>
+              <a:t>11/17/2016</a:t>
             </a:fld>
             <a:endParaRPr lang="en-US"/>
           </a:p>
@@ -7579,7 +7779,7 @@
           <a:p>
             <a:fld id="{9D9E1EF6-57CE-4432-9B58-336C6AA22299}" type="datetimeFigureOut">
               <a:rPr lang="en-US" smtClean="0"/>
-              <a:t>11/14/2016</a:t>
+              <a:t>11/17/2016</a:t>
             </a:fld>
             <a:endParaRPr lang="en-US"/>
           </a:p>
@@ -7674,7 +7874,7 @@
           <a:p>
             <a:fld id="{9D9E1EF6-57CE-4432-9B58-336C6AA22299}" type="datetimeFigureOut">
               <a:rPr lang="en-US" smtClean="0"/>
-              <a:t>11/14/2016</a:t>
+              <a:t>11/17/2016</a:t>
             </a:fld>
             <a:endParaRPr lang="en-US"/>
           </a:p>
@@ -7949,7 +8149,7 @@
           <a:p>
             <a:fld id="{9D9E1EF6-57CE-4432-9B58-336C6AA22299}" type="datetimeFigureOut">
               <a:rPr lang="en-US" smtClean="0"/>
-              <a:t>11/14/2016</a:t>
+              <a:t>11/17/2016</a:t>
             </a:fld>
             <a:endParaRPr lang="en-US"/>
           </a:p>
@@ -8201,7 +8401,7 @@
           <a:p>
             <a:fld id="{9D9E1EF6-57CE-4432-9B58-336C6AA22299}" type="datetimeFigureOut">
               <a:rPr lang="en-US" smtClean="0"/>
-              <a:t>11/14/2016</a:t>
+              <a:t>11/17/2016</a:t>
             </a:fld>
             <a:endParaRPr lang="en-US"/>
           </a:p>
@@ -8412,7 +8612,7 @@
           <a:p>
             <a:fld id="{9D9E1EF6-57CE-4432-9B58-336C6AA22299}" type="datetimeFigureOut">
               <a:rPr lang="en-US" smtClean="0"/>
-              <a:t>11/14/2016</a:t>
+              <a:t>11/17/2016</a:t>
             </a:fld>
             <a:endParaRPr lang="en-US"/>
           </a:p>
@@ -8857,14 +9057,34 @@
         <p:spPr/>
         <p:txBody>
           <a:bodyPr>
-            <a:normAutofit/>
+            <a:normAutofit fontScale="70000" lnSpcReduction="20000"/>
           </a:bodyPr>
           <a:lstStyle/>
           <a:p>
             <a:r>
               <a:rPr lang="en-US" sz="3500" dirty="0"/>
-              <a:t>A benchmark comparison between in-memory and out-of-memory databases</a:t>
-            </a:r>
+              <a:t>A benchmark comparison between in-memory and out-of-memory </a:t>
+            </a:r>
+            <a:r>
+              <a:rPr lang="en-US" sz="3500" dirty="0" smtClean="0"/>
+              <a:t>databases</a:t>
+            </a:r>
+          </a:p>
+          <a:p>
+            <a:endParaRPr lang="en-US" sz="3500" dirty="0"/>
+          </a:p>
+          <a:p>
+            <a:r>
+              <a:rPr lang="en-US" sz="2300" dirty="0" smtClean="0"/>
+              <a:t>Derek Aikins</a:t>
+            </a:r>
+          </a:p>
+          <a:p>
+            <a:r>
+              <a:rPr lang="en-US" sz="2300" dirty="0" smtClean="0"/>
+              <a:t>Advisor: Dr. Feng Yu</a:t>
+            </a:r>
+            <a:endParaRPr lang="en-US" sz="2300" dirty="0"/>
           </a:p>
         </p:txBody>
       </p:sp>
@@ -11571,7 +11791,7 @@
             <p:ph idx="1"/>
             <p:extLst>
               <p:ext uri="{D42A27DB-BD31-4B8C-83A1-F6EECF244321}">
-                <p14:modId xmlns:p14="http://schemas.microsoft.com/office/powerpoint/2010/main" val="3298092540"/>
+                <p14:modId xmlns:p14="http://schemas.microsoft.com/office/powerpoint/2010/main" val="3268597791"/>
               </p:ext>
             </p:extLst>
           </p:nvPr>
@@ -13258,12 +13478,31 @@
                     <a:bodyPr/>
                     <a:lstStyle/>
                     <a:p>
-                      <a:pPr algn="ctr"/>
-                      <a:endParaRPr lang="en-US" sz="1100" dirty="0">
-                        <a:solidFill>
-                          <a:schemeClr val="tx1"/>
-                        </a:solidFill>
-                      </a:endParaRPr>
+                      <a:pPr marL="0" marR="0" lvl="0" indent="0" algn="ctr" defTabSz="914400" rtl="0" eaLnBrk="1" fontAlgn="auto" latinLnBrk="0" hangingPunct="1">
+                        <a:lnSpc>
+                          <a:spcPct val="100000"/>
+                        </a:lnSpc>
+                        <a:spcBef>
+                          <a:spcPts val="0"/>
+                        </a:spcBef>
+                        <a:spcAft>
+                          <a:spcPts val="0"/>
+                        </a:spcAft>
+                        <a:buClrTx/>
+                        <a:buSzTx/>
+                        <a:buFontTx/>
+                        <a:buNone/>
+                        <a:tabLst/>
+                        <a:defRPr/>
+                      </a:pPr>
+                      <a:r>
+                        <a:rPr lang="en-US" sz="1100" b="1" dirty="0" smtClean="0">
+                          <a:solidFill>
+                            <a:schemeClr val="tx1"/>
+                          </a:solidFill>
+                        </a:rPr>
+                        <a:t>25.977</a:t>
+                      </a:r>
                     </a:p>
                   </a:txBody>
                   <a:tcPr marL="9525" marR="9525" marT="9525" marB="0" anchor="b">
@@ -21388,11 +21627,7 @@
           <a:p>
             <a:r>
               <a:rPr lang="en-US" dirty="0"/>
-              <a:t>TPC-H is a </a:t>
-            </a:r>
-            <a:r>
-              <a:rPr lang="en-US" dirty="0"/>
-              <a:t>decision support benchmark that examine large volumes of data, execute queries with a high degree of complexity, and give answers to critical business questions</a:t>
+              <a:t>TPC-H is a decision support benchmark that examine large volumes of data, execute queries with a high degree of complexity, and give answers to critical business questions</a:t>
             </a:r>
           </a:p>
           <a:p>
@@ -21418,6 +21653,141 @@
     <p:extLst>
       <p:ext uri="{BB962C8B-B14F-4D97-AF65-F5344CB8AC3E}">
         <p14:creationId xmlns:p14="http://schemas.microsoft.com/office/powerpoint/2010/main" val="3917873787"/>
+      </p:ext>
+    </p:extLst>
+  </p:cSld>
+  <p:clrMapOvr>
+    <a:masterClrMapping/>
+  </p:clrMapOvr>
+</p:sld>
+</file>
+
+<file path=ppt/slides/slide27.xml><?xml version="1.0" encoding="utf-8"?>
+<p:sld xmlns:a="http://schemas.openxmlformats.org/drawingml/2006/main" xmlns:r="http://schemas.openxmlformats.org/officeDocument/2006/relationships" xmlns:p="http://schemas.openxmlformats.org/presentationml/2006/main">
+  <p:cSld>
+    <p:spTree>
+      <p:nvGrpSpPr>
+        <p:cNvPr id="1" name=""/>
+        <p:cNvGrpSpPr/>
+        <p:nvPr/>
+      </p:nvGrpSpPr>
+      <p:grpSpPr>
+        <a:xfrm>
+          <a:off x="0" y="0"/>
+          <a:ext cx="0" cy="0"/>
+          <a:chOff x="0" y="0"/>
+          <a:chExt cx="0" cy="0"/>
+        </a:xfrm>
+      </p:grpSpPr>
+      <p:sp>
+        <p:nvSpPr>
+          <p:cNvPr id="4" name="Title 3"/>
+          <p:cNvSpPr>
+            <a:spLocks noGrp="1"/>
+          </p:cNvSpPr>
+          <p:nvPr>
+            <p:ph type="title"/>
+          </p:nvPr>
+        </p:nvSpPr>
+        <p:spPr/>
+        <p:txBody>
+          <a:bodyPr/>
+          <a:lstStyle/>
+          <a:p>
+            <a:pPr algn="ctr"/>
+            <a:r>
+              <a:rPr lang="en-US" dirty="0" smtClean="0"/>
+              <a:t>ALL Results and Test Queries can be found at:</a:t>
+            </a:r>
+            <a:endParaRPr lang="en-US" dirty="0"/>
+          </a:p>
+        </p:txBody>
+      </p:sp>
+      <p:sp>
+        <p:nvSpPr>
+          <p:cNvPr id="5" name="Content Placeholder 4"/>
+          <p:cNvSpPr>
+            <a:spLocks noGrp="1"/>
+          </p:cNvSpPr>
+          <p:nvPr>
+            <p:ph idx="1"/>
+          </p:nvPr>
+        </p:nvSpPr>
+        <p:spPr/>
+        <p:txBody>
+          <a:bodyPr/>
+          <a:lstStyle/>
+          <a:p>
+            <a:pPr algn="ctr"/>
+            <a:endParaRPr lang="en-US" dirty="0" smtClean="0"/>
+          </a:p>
+          <a:p>
+            <a:pPr algn="ctr"/>
+            <a:endParaRPr lang="en-US" dirty="0"/>
+          </a:p>
+          <a:p>
+            <a:pPr algn="ctr"/>
+            <a:endParaRPr lang="en-US" dirty="0" smtClean="0"/>
+          </a:p>
+          <a:p>
+            <a:pPr marL="0" indent="0" algn="ctr">
+              <a:buNone/>
+            </a:pPr>
+            <a:r>
+              <a:rPr lang="en-US" sz="3600" dirty="0">
+                <a:hlinkClick r:id="rId2"/>
+              </a:rPr>
+              <a:t>https://</a:t>
+            </a:r>
+            <a:r>
+              <a:rPr lang="en-US" sz="3600" dirty="0" smtClean="0">
+                <a:hlinkClick r:id="rId2"/>
+              </a:rPr>
+              <a:t>github.com/Djaikins/MySQL-vs-Monetdb</a:t>
+            </a:r>
+            <a:endParaRPr lang="en-US" sz="3600" dirty="0" smtClean="0"/>
+          </a:p>
+          <a:p>
+            <a:pPr marL="0" indent="0" algn="ctr">
+              <a:buNone/>
+            </a:pPr>
+            <a:r>
+              <a:rPr lang="en-US" sz="3600" dirty="0"/>
+              <a:t>o</a:t>
+            </a:r>
+            <a:r>
+              <a:rPr lang="en-US" sz="3600" dirty="0" smtClean="0"/>
+              <a:t>r</a:t>
+            </a:r>
+          </a:p>
+          <a:p>
+            <a:pPr marL="0" indent="0" algn="ctr">
+              <a:buNone/>
+            </a:pPr>
+            <a:r>
+              <a:rPr lang="en-US" sz="3600" dirty="0" smtClean="0"/>
+              <a:t>By searching </a:t>
+            </a:r>
+            <a:r>
+              <a:rPr lang="en-US" sz="3600" dirty="0" err="1" smtClean="0"/>
+              <a:t>djaikins</a:t>
+            </a:r>
+            <a:r>
+              <a:rPr lang="en-US" sz="3600" dirty="0" smtClean="0"/>
+              <a:t> on </a:t>
+            </a:r>
+            <a:r>
+              <a:rPr lang="en-US" sz="3600" smtClean="0"/>
+              <a:t>Github</a:t>
+            </a:r>
+            <a:endParaRPr lang="en-US" sz="3600" dirty="0"/>
+          </a:p>
+        </p:txBody>
+      </p:sp>
+    </p:spTree>
+    <p:extLst>
+      <p:ext uri="{BB962C8B-B14F-4D97-AF65-F5344CB8AC3E}">
+        <p14:creationId xmlns:p14="http://schemas.microsoft.com/office/powerpoint/2010/main" val="4186912324"/>
       </p:ext>
     </p:extLst>
   </p:cSld>
@@ -25270,4 +25640,265 @@
     </a:ext>
   </a:extLst>
 </a:theme>
+</file>
+
+<file path=ppt/theme/theme2.xml><?xml version="1.0" encoding="utf-8"?>
+<a:theme xmlns:a="http://schemas.openxmlformats.org/drawingml/2006/main" name="Office Theme">
+  <a:themeElements>
+    <a:clrScheme name="Office">
+      <a:dk1>
+        <a:sysClr val="windowText" lastClr="000000"/>
+      </a:dk1>
+      <a:lt1>
+        <a:sysClr val="window" lastClr="FFFFFF"/>
+      </a:lt1>
+      <a:dk2>
+        <a:srgbClr val="44546A"/>
+      </a:dk2>
+      <a:lt2>
+        <a:srgbClr val="E7E6E6"/>
+      </a:lt2>
+      <a:accent1>
+        <a:srgbClr val="5B9BD5"/>
+      </a:accent1>
+      <a:accent2>
+        <a:srgbClr val="ED7D31"/>
+      </a:accent2>
+      <a:accent3>
+        <a:srgbClr val="A5A5A5"/>
+      </a:accent3>
+      <a:accent4>
+        <a:srgbClr val="FFC000"/>
+      </a:accent4>
+      <a:accent5>
+        <a:srgbClr val="4472C4"/>
+      </a:accent5>
+      <a:accent6>
+        <a:srgbClr val="70AD47"/>
+      </a:accent6>
+      <a:hlink>
+        <a:srgbClr val="0563C1"/>
+      </a:hlink>
+      <a:folHlink>
+        <a:srgbClr val="954F72"/>
+      </a:folHlink>
+    </a:clrScheme>
+    <a:fontScheme name="Office">
+      <a:majorFont>
+        <a:latin typeface="Calibri Light" panose="020F0302020204030204"/>
+        <a:ea typeface=""/>
+        <a:cs typeface=""/>
+        <a:font script="Jpan" typeface="游ゴシック Light"/>
+        <a:font script="Hang" typeface="맑은 고딕"/>
+        <a:font script="Hans" typeface="等线 Light"/>
+        <a:font script="Hant" typeface="新細明體"/>
+        <a:font script="Arab" typeface="Times New Roman"/>
+        <a:font script="Hebr" typeface="Times New Roman"/>
+        <a:font script="Thai" typeface="Angsana New"/>
+        <a:font script="Ethi" typeface="Nyala"/>
+        <a:font script="Beng" typeface="Vrinda"/>
+        <a:font script="Gujr" typeface="Shruti"/>
+        <a:font script="Khmr" typeface="MoolBoran"/>
+        <a:font script="Knda" typeface="Tunga"/>
+        <a:font script="Guru" typeface="Raavi"/>
+        <a:font script="Cans" typeface="Euphemia"/>
+        <a:font script="Cher" typeface="Plantagenet Cherokee"/>
+        <a:font script="Yiii" typeface="Microsoft Yi Baiti"/>
+        <a:font script="Tibt" typeface="Microsoft Himalaya"/>
+        <a:font script="Thaa" typeface="MV Boli"/>
+        <a:font script="Deva" typeface="Mangal"/>
+        <a:font script="Telu" typeface="Gautami"/>
+        <a:font script="Taml" typeface="Latha"/>
+        <a:font script="Syrc" typeface="Estrangelo Edessa"/>
+        <a:font script="Orya" typeface="Kalinga"/>
+        <a:font script="Mlym" typeface="Kartika"/>
+        <a:font script="Laoo" typeface="DokChampa"/>
+        <a:font script="Sinh" typeface="Iskoola Pota"/>
+        <a:font script="Mong" typeface="Mongolian Baiti"/>
+        <a:font script="Viet" typeface="Times New Roman"/>
+        <a:font script="Uigh" typeface="Microsoft Uighur"/>
+        <a:font script="Geor" typeface="Sylfaen"/>
+      </a:majorFont>
+      <a:minorFont>
+        <a:latin typeface="Calibri" panose="020F0502020204030204"/>
+        <a:ea typeface=""/>
+        <a:cs typeface=""/>
+        <a:font script="Jpan" typeface="游ゴシック"/>
+        <a:font script="Hang" typeface="맑은 고딕"/>
+        <a:font script="Hans" typeface="等线"/>
+        <a:font script="Hant" typeface="新細明體"/>
+        <a:font script="Arab" typeface="Arial"/>
+        <a:font script="Hebr" typeface="Arial"/>
+        <a:font script="Thai" typeface="Cordia New"/>
+        <a:font script="Ethi" typeface="Nyala"/>
+        <a:font script="Beng" typeface="Vrinda"/>
+        <a:font script="Gujr" typeface="Shruti"/>
+        <a:font script="Khmr" typeface="DaunPenh"/>
+        <a:font script="Knda" typeface="Tunga"/>
+        <a:font script="Guru" typeface="Raavi"/>
+        <a:font script="Cans" typeface="Euphemia"/>
+        <a:font script="Cher" typeface="Plantagenet Cherokee"/>
+        <a:font script="Yiii" typeface="Microsoft Yi Baiti"/>
+        <a:font script="Tibt" typeface="Microsoft Himalaya"/>
+        <a:font script="Thaa" typeface="MV Boli"/>
+        <a:font script="Deva" typeface="Mangal"/>
+        <a:font script="Telu" typeface="Gautami"/>
+        <a:font script="Taml" typeface="Latha"/>
+        <a:font script="Syrc" typeface="Estrangelo Edessa"/>
+        <a:font script="Orya" typeface="Kalinga"/>
+        <a:font script="Mlym" typeface="Kartika"/>
+        <a:font script="Laoo" typeface="DokChampa"/>
+        <a:font script="Sinh" typeface="Iskoola Pota"/>
+        <a:font script="Mong" typeface="Mongolian Baiti"/>
+        <a:font script="Viet" typeface="Arial"/>
+        <a:font script="Uigh" typeface="Microsoft Uighur"/>
+        <a:font script="Geor" typeface="Sylfaen"/>
+      </a:minorFont>
+    </a:fontScheme>
+    <a:fmtScheme name="Office">
+      <a:fillStyleLst>
+        <a:solidFill>
+          <a:schemeClr val="phClr"/>
+        </a:solidFill>
+        <a:gradFill rotWithShape="1">
+          <a:gsLst>
+            <a:gs pos="0">
+              <a:schemeClr val="phClr">
+                <a:lumMod val="110000"/>
+                <a:satMod val="105000"/>
+                <a:tint val="67000"/>
+              </a:schemeClr>
+            </a:gs>
+            <a:gs pos="50000">
+              <a:schemeClr val="phClr">
+                <a:lumMod val="105000"/>
+                <a:satMod val="103000"/>
+                <a:tint val="73000"/>
+              </a:schemeClr>
+            </a:gs>
+            <a:gs pos="100000">
+              <a:schemeClr val="phClr">
+                <a:lumMod val="105000"/>
+                <a:satMod val="109000"/>
+                <a:tint val="81000"/>
+              </a:schemeClr>
+            </a:gs>
+          </a:gsLst>
+          <a:lin ang="5400000" scaled="0"/>
+        </a:gradFill>
+        <a:gradFill rotWithShape="1">
+          <a:gsLst>
+            <a:gs pos="0">
+              <a:schemeClr val="phClr">
+                <a:satMod val="103000"/>
+                <a:lumMod val="102000"/>
+                <a:tint val="94000"/>
+              </a:schemeClr>
+            </a:gs>
+            <a:gs pos="50000">
+              <a:schemeClr val="phClr">
+                <a:satMod val="110000"/>
+                <a:lumMod val="100000"/>
+                <a:shade val="100000"/>
+              </a:schemeClr>
+            </a:gs>
+            <a:gs pos="100000">
+              <a:schemeClr val="phClr">
+                <a:lumMod val="99000"/>
+                <a:satMod val="120000"/>
+                <a:shade val="78000"/>
+              </a:schemeClr>
+            </a:gs>
+          </a:gsLst>
+          <a:lin ang="5400000" scaled="0"/>
+        </a:gradFill>
+      </a:fillStyleLst>
+      <a:lnStyleLst>
+        <a:ln w="6350" cap="flat" cmpd="sng" algn="ctr">
+          <a:solidFill>
+            <a:schemeClr val="phClr"/>
+          </a:solidFill>
+          <a:prstDash val="solid"/>
+          <a:miter lim="800000"/>
+        </a:ln>
+        <a:ln w="12700" cap="flat" cmpd="sng" algn="ctr">
+          <a:solidFill>
+            <a:schemeClr val="phClr"/>
+          </a:solidFill>
+          <a:prstDash val="solid"/>
+          <a:miter lim="800000"/>
+        </a:ln>
+        <a:ln w="19050" cap="flat" cmpd="sng" algn="ctr">
+          <a:solidFill>
+            <a:schemeClr val="phClr"/>
+          </a:solidFill>
+          <a:prstDash val="solid"/>
+          <a:miter lim="800000"/>
+        </a:ln>
+      </a:lnStyleLst>
+      <a:effectStyleLst>
+        <a:effectStyle>
+          <a:effectLst/>
+        </a:effectStyle>
+        <a:effectStyle>
+          <a:effectLst/>
+        </a:effectStyle>
+        <a:effectStyle>
+          <a:effectLst>
+            <a:outerShdw blurRad="57150" dist="19050" dir="5400000" algn="ctr" rotWithShape="0">
+              <a:srgbClr val="000000">
+                <a:alpha val="63000"/>
+              </a:srgbClr>
+            </a:outerShdw>
+          </a:effectLst>
+        </a:effectStyle>
+      </a:effectStyleLst>
+      <a:bgFillStyleLst>
+        <a:solidFill>
+          <a:schemeClr val="phClr"/>
+        </a:solidFill>
+        <a:solidFill>
+          <a:schemeClr val="phClr">
+            <a:tint val="95000"/>
+            <a:satMod val="170000"/>
+          </a:schemeClr>
+        </a:solidFill>
+        <a:gradFill rotWithShape="1">
+          <a:gsLst>
+            <a:gs pos="0">
+              <a:schemeClr val="phClr">
+                <a:tint val="93000"/>
+                <a:satMod val="150000"/>
+                <a:shade val="98000"/>
+                <a:lumMod val="102000"/>
+              </a:schemeClr>
+            </a:gs>
+            <a:gs pos="50000">
+              <a:schemeClr val="phClr">
+                <a:tint val="98000"/>
+                <a:satMod val="130000"/>
+                <a:shade val="90000"/>
+                <a:lumMod val="103000"/>
+              </a:schemeClr>
+            </a:gs>
+            <a:gs pos="100000">
+              <a:schemeClr val="phClr">
+                <a:shade val="63000"/>
+                <a:satMod val="120000"/>
+              </a:schemeClr>
+            </a:gs>
+          </a:gsLst>
+          <a:lin ang="5400000" scaled="0"/>
+        </a:gradFill>
+      </a:bgFillStyleLst>
+    </a:fmtScheme>
+  </a:themeElements>
+  <a:objectDefaults/>
+  <a:extraClrSchemeLst/>
+  <a:extLst>
+    <a:ext uri="{05A4C25C-085E-4340-85A3-A5531E510DB2}">
+      <thm15:themeFamily xmlns:thm15="http://schemas.microsoft.com/office/thememl/2012/main" name="Office Theme" id="{62F939B6-93AF-4DB8-9C6B-D6C7DFDC589F}" vid="{4A3C46E8-61CC-4603-A589-7422A47A8E4A}"/>
+    </a:ext>
+  </a:extLst>
+</a:theme>
 </file>